--- a/Presentation.pptx
+++ b/Presentation.pptx
@@ -208,7 +208,7 @@
           <a:p>
             <a:fld id="{2D545F65-6508-40F7-A1FD-82FA10C745A2}" type="datetimeFigureOut">
               <a:rPr lang="en-US" smtClean="0"/>
-              <a:t>2/16/2021</a:t>
+              <a:t>3/9/2021</a:t>
             </a:fld>
             <a:endParaRPr lang="en-US"/>
           </a:p>
@@ -622,7 +622,7 @@
           <a:p>
             <a:fld id="{855B4E50-FA3B-4A97-83BC-7A98C488E599}" type="datetimeFigureOut">
               <a:rPr lang="en-US" smtClean="0"/>
-              <a:t>2/16/2021</a:t>
+              <a:t>3/9/2021</a:t>
             </a:fld>
             <a:endParaRPr lang="en-US"/>
           </a:p>
@@ -820,7 +820,7 @@
           <a:p>
             <a:fld id="{855B4E50-FA3B-4A97-83BC-7A98C488E599}" type="datetimeFigureOut">
               <a:rPr lang="en-US" smtClean="0"/>
-              <a:t>2/16/2021</a:t>
+              <a:t>3/9/2021</a:t>
             </a:fld>
             <a:endParaRPr lang="en-US"/>
           </a:p>
@@ -1028,7 +1028,7 @@
           <a:p>
             <a:fld id="{855B4E50-FA3B-4A97-83BC-7A98C488E599}" type="datetimeFigureOut">
               <a:rPr lang="en-US" smtClean="0"/>
-              <a:t>2/16/2021</a:t>
+              <a:t>3/9/2021</a:t>
             </a:fld>
             <a:endParaRPr lang="en-US"/>
           </a:p>
@@ -7543,7 +7543,7 @@
           <a:p>
             <a:fld id="{855B4E50-FA3B-4A97-83BC-7A98C488E599}" type="datetimeFigureOut">
               <a:rPr lang="en-US" smtClean="0"/>
-              <a:t>2/16/2021</a:t>
+              <a:t>3/9/2021</a:t>
             </a:fld>
             <a:endParaRPr lang="en-US"/>
           </a:p>
@@ -10283,7 +10283,7 @@
           <a:p>
             <a:fld id="{855B4E50-FA3B-4A97-83BC-7A98C488E599}" type="datetimeFigureOut">
               <a:rPr lang="en-US" smtClean="0"/>
-              <a:t>2/16/2021</a:t>
+              <a:t>3/9/2021</a:t>
             </a:fld>
             <a:endParaRPr lang="en-US"/>
           </a:p>
@@ -10548,7 +10548,7 @@
           <a:p>
             <a:fld id="{855B4E50-FA3B-4A97-83BC-7A98C488E599}" type="datetimeFigureOut">
               <a:rPr lang="en-US" smtClean="0"/>
-              <a:t>2/16/2021</a:t>
+              <a:t>3/9/2021</a:t>
             </a:fld>
             <a:endParaRPr lang="en-US"/>
           </a:p>
@@ -10960,7 +10960,7 @@
           <a:p>
             <a:fld id="{855B4E50-FA3B-4A97-83BC-7A98C488E599}" type="datetimeFigureOut">
               <a:rPr lang="en-US" smtClean="0"/>
-              <a:t>2/16/2021</a:t>
+              <a:t>3/9/2021</a:t>
             </a:fld>
             <a:endParaRPr lang="en-US"/>
           </a:p>
@@ -11101,7 +11101,7 @@
           <a:p>
             <a:fld id="{855B4E50-FA3B-4A97-83BC-7A98C488E599}" type="datetimeFigureOut">
               <a:rPr lang="en-US" smtClean="0"/>
-              <a:t>2/16/2021</a:t>
+              <a:t>3/9/2021</a:t>
             </a:fld>
             <a:endParaRPr lang="en-US"/>
           </a:p>
@@ -11214,7 +11214,7 @@
           <a:p>
             <a:fld id="{855B4E50-FA3B-4A97-83BC-7A98C488E599}" type="datetimeFigureOut">
               <a:rPr lang="en-US" smtClean="0"/>
-              <a:t>2/16/2021</a:t>
+              <a:t>3/9/2021</a:t>
             </a:fld>
             <a:endParaRPr lang="en-US"/>
           </a:p>
@@ -11525,7 +11525,7 @@
           <a:p>
             <a:fld id="{855B4E50-FA3B-4A97-83BC-7A98C488E599}" type="datetimeFigureOut">
               <a:rPr lang="en-US" smtClean="0"/>
-              <a:t>2/16/2021</a:t>
+              <a:t>3/9/2021</a:t>
             </a:fld>
             <a:endParaRPr lang="en-US"/>
           </a:p>
@@ -11813,7 +11813,7 @@
           <a:p>
             <a:fld id="{855B4E50-FA3B-4A97-83BC-7A98C488E599}" type="datetimeFigureOut">
               <a:rPr lang="en-US" smtClean="0"/>
-              <a:t>2/16/2021</a:t>
+              <a:t>3/9/2021</a:t>
             </a:fld>
             <a:endParaRPr lang="en-US"/>
           </a:p>
@@ -12054,7 +12054,7 @@
           <a:p>
             <a:fld id="{855B4E50-FA3B-4A97-83BC-7A98C488E599}" type="datetimeFigureOut">
               <a:rPr lang="en-US" smtClean="0"/>
-              <a:t>2/16/2021</a:t>
+              <a:t>3/9/2021</a:t>
             </a:fld>
             <a:endParaRPr lang="en-US"/>
           </a:p>
@@ -14648,7 +14648,7 @@
       </p:sp>
       <p:pic>
         <p:nvPicPr>
-          <p:cNvPr id="5" name="Picture 4" descr="A person in a chair holding a cat&#10;&#10;Description automatically generated with low confidence">
+          <p:cNvPr id="5" name="Picture 4">
             <a:extLst>
               <a:ext uri="{FF2B5EF4-FFF2-40B4-BE49-F238E27FC236}">
                 <a16:creationId xmlns:a16="http://schemas.microsoft.com/office/drawing/2014/main" id="{F0CB0A83-8664-45D4-A43C-B481AD6F4202}"/>
@@ -14660,15 +14660,18 @@
           </p:cNvPicPr>
           <p:nvPr/>
         </p:nvPicPr>
-        <p:blipFill rotWithShape="1">
+        <p:blipFill>
           <a:blip r:embed="rId2">
             <a:extLst>
               <a:ext uri="{28A0092B-C50C-407E-A947-70E740481C1C}">
                 <a14:useLocalDpi xmlns:a14="http://schemas.microsoft.com/office/drawing/2010/main" val="0"/>
               </a:ext>
+              <a:ext uri="{837473B0-CC2E-450A-ABE3-18F120FF3D39}">
+                <a1611:picAttrSrcUrl xmlns:a1611="http://schemas.microsoft.com/office/drawing/2016/11/main" r:id="rId3"/>
+              </a:ext>
             </a:extLst>
           </a:blip>
-          <a:srcRect l="730" r="3230"/>
+          <a:srcRect l="21790" r="21790"/>
           <a:stretch/>
         </p:blipFill>
         <p:spPr>
@@ -14793,6 +14796,54 @@
           </a:custGeom>
         </p:spPr>
       </p:pic>
+      <p:sp>
+        <p:nvSpPr>
+          <p:cNvPr id="4" name="TextBox 3">
+            <a:extLst>
+              <a:ext uri="{FF2B5EF4-FFF2-40B4-BE49-F238E27FC236}">
+                <a16:creationId xmlns:a16="http://schemas.microsoft.com/office/drawing/2014/main" id="{F71C7177-A93A-4D00-AFE4-8DF582D36A19}"/>
+              </a:ext>
+            </a:extLst>
+          </p:cNvPr>
+          <p:cNvSpPr txBox="1"/>
+          <p:nvPr/>
+        </p:nvSpPr>
+        <p:spPr>
+          <a:xfrm>
+            <a:off x="5311702" y="6858000"/>
+            <a:ext cx="6878775" cy="230832"/>
+          </a:xfrm>
+          <a:prstGeom prst="rect">
+            <a:avLst/>
+          </a:prstGeom>
+          <a:noFill/>
+        </p:spPr>
+        <p:txBody>
+          <a:bodyPr wrap="square" rtlCol="0">
+            <a:spAutoFit/>
+          </a:bodyPr>
+          <a:lstStyle/>
+          <a:p>
+            <a:r>
+              <a:rPr lang="en-US" sz="900">
+                <a:hlinkClick r:id="rId3" tooltip="https://geobrava.wordpress.com/2017/04/11/mobile-app-usage-is-much-more-focused-in-u-s-market/"/>
+              </a:rPr>
+              <a:t>This Photo</a:t>
+            </a:r>
+            <a:r>
+              <a:rPr lang="en-US" sz="900"/>
+              <a:t> by Unknown Author is licensed under </a:t>
+            </a:r>
+            <a:r>
+              <a:rPr lang="en-US" sz="900">
+                <a:hlinkClick r:id="rId4" tooltip="https://creativecommons.org/licenses/by-sa/3.0/"/>
+              </a:rPr>
+              <a:t>CC BY-SA</a:t>
+            </a:r>
+            <a:endParaRPr lang="en-US" sz="900"/>
+          </a:p>
+        </p:txBody>
+      </p:sp>
     </p:spTree>
     <p:extLst>
       <p:ext uri="{BB962C8B-B14F-4D97-AF65-F5344CB8AC3E}">
